--- a/images/MIP_SAG_EDIT.pptx
+++ b/images/MIP_SAG_EDIT.pptx
@@ -6,6 +6,11 @@
   </p:sldMasterIdLst>
   <p:sldIdLst>
     <p:sldId id="256" r:id="rId2"/>
+    <p:sldId id="257" r:id="rId3"/>
+    <p:sldId id="258" r:id="rId4"/>
+    <p:sldId id="259" r:id="rId5"/>
+    <p:sldId id="260" r:id="rId6"/>
+    <p:sldId id="261" r:id="rId7"/>
   </p:sldIdLst>
   <p:sldSz cx="12192000" cy="6858000"/>
   <p:notesSz cx="6858000" cy="9144000"/>
@@ -259,7 +264,7 @@
           <a:p>
             <a:fld id="{AEE6DAD3-45E8-3C41-B248-281E1374B7E4}" type="datetimeFigureOut">
               <a:rPr lang="en-US" smtClean="0"/>
-              <a:t>12/15/20</a:t>
+              <a:t>10/25/21</a:t>
             </a:fld>
             <a:endParaRPr lang="en-US"/>
           </a:p>
@@ -457,7 +462,7 @@
           <a:p>
             <a:fld id="{AEE6DAD3-45E8-3C41-B248-281E1374B7E4}" type="datetimeFigureOut">
               <a:rPr lang="en-US" smtClean="0"/>
-              <a:t>12/15/20</a:t>
+              <a:t>10/25/21</a:t>
             </a:fld>
             <a:endParaRPr lang="en-US"/>
           </a:p>
@@ -665,7 +670,7 @@
           <a:p>
             <a:fld id="{AEE6DAD3-45E8-3C41-B248-281E1374B7E4}" type="datetimeFigureOut">
               <a:rPr lang="en-US" smtClean="0"/>
-              <a:t>12/15/20</a:t>
+              <a:t>10/25/21</a:t>
             </a:fld>
             <a:endParaRPr lang="en-US"/>
           </a:p>
@@ -863,7 +868,7 @@
           <a:p>
             <a:fld id="{AEE6DAD3-45E8-3C41-B248-281E1374B7E4}" type="datetimeFigureOut">
               <a:rPr lang="en-US" smtClean="0"/>
-              <a:t>12/15/20</a:t>
+              <a:t>10/25/21</a:t>
             </a:fld>
             <a:endParaRPr lang="en-US"/>
           </a:p>
@@ -1138,7 +1143,7 @@
           <a:p>
             <a:fld id="{AEE6DAD3-45E8-3C41-B248-281E1374B7E4}" type="datetimeFigureOut">
               <a:rPr lang="en-US" smtClean="0"/>
-              <a:t>12/15/20</a:t>
+              <a:t>10/25/21</a:t>
             </a:fld>
             <a:endParaRPr lang="en-US"/>
           </a:p>
@@ -1403,7 +1408,7 @@
           <a:p>
             <a:fld id="{AEE6DAD3-45E8-3C41-B248-281E1374B7E4}" type="datetimeFigureOut">
               <a:rPr lang="en-US" smtClean="0"/>
-              <a:t>12/15/20</a:t>
+              <a:t>10/25/21</a:t>
             </a:fld>
             <a:endParaRPr lang="en-US"/>
           </a:p>
@@ -1815,7 +1820,7 @@
           <a:p>
             <a:fld id="{AEE6DAD3-45E8-3C41-B248-281E1374B7E4}" type="datetimeFigureOut">
               <a:rPr lang="en-US" smtClean="0"/>
-              <a:t>12/15/20</a:t>
+              <a:t>10/25/21</a:t>
             </a:fld>
             <a:endParaRPr lang="en-US"/>
           </a:p>
@@ -1956,7 +1961,7 @@
           <a:p>
             <a:fld id="{AEE6DAD3-45E8-3C41-B248-281E1374B7E4}" type="datetimeFigureOut">
               <a:rPr lang="en-US" smtClean="0"/>
-              <a:t>12/15/20</a:t>
+              <a:t>10/25/21</a:t>
             </a:fld>
             <a:endParaRPr lang="en-US"/>
           </a:p>
@@ -2069,7 +2074,7 @@
           <a:p>
             <a:fld id="{AEE6DAD3-45E8-3C41-B248-281E1374B7E4}" type="datetimeFigureOut">
               <a:rPr lang="en-US" smtClean="0"/>
-              <a:t>12/15/20</a:t>
+              <a:t>10/25/21</a:t>
             </a:fld>
             <a:endParaRPr lang="en-US"/>
           </a:p>
@@ -2380,7 +2385,7 @@
           <a:p>
             <a:fld id="{AEE6DAD3-45E8-3C41-B248-281E1374B7E4}" type="datetimeFigureOut">
               <a:rPr lang="en-US" smtClean="0"/>
-              <a:t>12/15/20</a:t>
+              <a:t>10/25/21</a:t>
             </a:fld>
             <a:endParaRPr lang="en-US"/>
           </a:p>
@@ -2668,7 +2673,7 @@
           <a:p>
             <a:fld id="{AEE6DAD3-45E8-3C41-B248-281E1374B7E4}" type="datetimeFigureOut">
               <a:rPr lang="en-US" smtClean="0"/>
-              <a:t>12/15/20</a:t>
+              <a:t>10/25/21</a:t>
             </a:fld>
             <a:endParaRPr lang="en-US"/>
           </a:p>
@@ -2909,7 +2914,7 @@
           <a:p>
             <a:fld id="{AEE6DAD3-45E8-3C41-B248-281E1374B7E4}" type="datetimeFigureOut">
               <a:rPr lang="en-US" smtClean="0"/>
-              <a:t>12/15/20</a:t>
+              <a:t>10/25/21</a:t>
             </a:fld>
             <a:endParaRPr lang="en-US"/>
           </a:p>
@@ -3451,6 +3456,519 @@
 </p:sld>
 </file>
 
+<file path=ppt/slides/slide2.xml><?xml version="1.0" encoding="utf-8"?>
+<p:sld xmlns:a="http://schemas.openxmlformats.org/drawingml/2006/main" xmlns:r="http://schemas.openxmlformats.org/officeDocument/2006/relationships" xmlns:p="http://schemas.openxmlformats.org/presentationml/2006/main">
+  <p:cSld>
+    <p:spTree>
+      <p:nvGrpSpPr>
+        <p:cNvPr id="1" name=""/>
+        <p:cNvGrpSpPr/>
+        <p:nvPr/>
+      </p:nvGrpSpPr>
+      <p:grpSpPr>
+        <a:xfrm>
+          <a:off x="0" y="0"/>
+          <a:ext cx="0" cy="0"/>
+          <a:chOff x="0" y="0"/>
+          <a:chExt cx="0" cy="0"/>
+        </a:xfrm>
+      </p:grpSpPr>
+      <p:pic>
+        <p:nvPicPr>
+          <p:cNvPr id="4" name="Picture 3" descr="A picture containing text, night sky&#10;&#10;Description automatically generated">
+            <a:extLst>
+              <a:ext uri="{FF2B5EF4-FFF2-40B4-BE49-F238E27FC236}">
+                <a16:creationId xmlns:a16="http://schemas.microsoft.com/office/drawing/2014/main" id="{5A384638-5195-B34B-BF33-62D0281FE73F}"/>
+              </a:ext>
+            </a:extLst>
+          </p:cNvPr>
+          <p:cNvPicPr>
+            <a:picLocks noChangeAspect="1"/>
+          </p:cNvPicPr>
+          <p:nvPr/>
+        </p:nvPicPr>
+        <p:blipFill rotWithShape="1">
+          <a:blip r:embed="rId2"/>
+          <a:srcRect l="357" t="13968" r="2399" b="13904"/>
+          <a:stretch/>
+        </p:blipFill>
+        <p:spPr>
+          <a:xfrm>
+            <a:off x="477883" y="674369"/>
+            <a:ext cx="9070049" cy="2859989"/>
+          </a:xfrm>
+          <a:prstGeom prst="rect">
+            <a:avLst/>
+          </a:prstGeom>
+        </p:spPr>
+      </p:pic>
+      <p:pic>
+        <p:nvPicPr>
+          <p:cNvPr id="6" name="Picture 5" descr="A close-up of a coin&#10;&#10;Description automatically generated with low confidence">
+            <a:extLst>
+              <a:ext uri="{FF2B5EF4-FFF2-40B4-BE49-F238E27FC236}">
+                <a16:creationId xmlns:a16="http://schemas.microsoft.com/office/drawing/2014/main" id="{3D5EABD3-83C0-3D42-BF68-E91691ED48DC}"/>
+              </a:ext>
+            </a:extLst>
+          </p:cNvPr>
+          <p:cNvPicPr>
+            <a:picLocks noChangeAspect="1"/>
+          </p:cNvPicPr>
+          <p:nvPr/>
+        </p:nvPicPr>
+        <p:blipFill>
+          <a:blip r:embed="rId3"/>
+          <a:stretch>
+            <a:fillRect/>
+          </a:stretch>
+        </p:blipFill>
+        <p:spPr>
+          <a:xfrm>
+            <a:off x="797752" y="3794759"/>
+            <a:ext cx="9161660" cy="2859989"/>
+          </a:xfrm>
+          <a:prstGeom prst="rect">
+            <a:avLst/>
+          </a:prstGeom>
+        </p:spPr>
+      </p:pic>
+      <p:pic>
+        <p:nvPicPr>
+          <p:cNvPr id="8" name="Picture 7" descr="Graphical user interface&#10;&#10;Description automatically generated">
+            <a:extLst>
+              <a:ext uri="{FF2B5EF4-FFF2-40B4-BE49-F238E27FC236}">
+                <a16:creationId xmlns:a16="http://schemas.microsoft.com/office/drawing/2014/main" id="{12410AFE-EDCB-994E-8E40-71E46AFB761E}"/>
+              </a:ext>
+            </a:extLst>
+          </p:cNvPr>
+          <p:cNvPicPr>
+            <a:picLocks noChangeAspect="1"/>
+          </p:cNvPicPr>
+          <p:nvPr/>
+        </p:nvPicPr>
+        <p:blipFill rotWithShape="1">
+          <a:blip r:embed="rId4"/>
+          <a:srcRect t="2183" r="2930" b="35819"/>
+          <a:stretch/>
+        </p:blipFill>
+        <p:spPr>
+          <a:xfrm>
+            <a:off x="1422067" y="1295005"/>
+            <a:ext cx="9065901" cy="2859990"/>
+          </a:xfrm>
+          <a:prstGeom prst="rect">
+            <a:avLst/>
+          </a:prstGeom>
+        </p:spPr>
+      </p:pic>
+    </p:spTree>
+    <p:extLst>
+      <p:ext uri="{BB962C8B-B14F-4D97-AF65-F5344CB8AC3E}">
+        <p14:creationId xmlns:p14="http://schemas.microsoft.com/office/powerpoint/2010/main" val="1258394392"/>
+      </p:ext>
+    </p:extLst>
+  </p:cSld>
+  <p:clrMapOvr>
+    <a:masterClrMapping/>
+  </p:clrMapOvr>
+</p:sld>
+</file>
+
+<file path=ppt/slides/slide3.xml><?xml version="1.0" encoding="utf-8"?>
+<p:sld xmlns:a="http://schemas.openxmlformats.org/drawingml/2006/main" xmlns:r="http://schemas.openxmlformats.org/officeDocument/2006/relationships" xmlns:p="http://schemas.openxmlformats.org/presentationml/2006/main">
+  <p:cSld>
+    <p:spTree>
+      <p:nvGrpSpPr>
+        <p:cNvPr id="1" name=""/>
+        <p:cNvGrpSpPr/>
+        <p:nvPr/>
+      </p:nvGrpSpPr>
+      <p:grpSpPr>
+        <a:xfrm>
+          <a:off x="0" y="0"/>
+          <a:ext cx="0" cy="0"/>
+          <a:chOff x="0" y="0"/>
+          <a:chExt cx="0" cy="0"/>
+        </a:xfrm>
+      </p:grpSpPr>
+      <p:grpSp>
+        <p:nvGrpSpPr>
+          <p:cNvPr id="26" name="Group 25">
+            <a:extLst>
+              <a:ext uri="{FF2B5EF4-FFF2-40B4-BE49-F238E27FC236}">
+                <a16:creationId xmlns:a16="http://schemas.microsoft.com/office/drawing/2014/main" id="{201268DC-CAD8-DB41-8510-D8B98AD3E30E}"/>
+              </a:ext>
+            </a:extLst>
+          </p:cNvPr>
+          <p:cNvGrpSpPr/>
+          <p:nvPr/>
+        </p:nvGrpSpPr>
+        <p:grpSpPr>
+          <a:xfrm>
+            <a:off x="762577" y="3983421"/>
+            <a:ext cx="8213258" cy="2616140"/>
+            <a:chOff x="514350" y="1816679"/>
+            <a:chExt cx="9109711" cy="2943571"/>
+          </a:xfrm>
+        </p:grpSpPr>
+        <p:pic>
+          <p:nvPicPr>
+            <p:cNvPr id="21" name="Picture 20">
+              <a:extLst>
+                <a:ext uri="{FF2B5EF4-FFF2-40B4-BE49-F238E27FC236}">
+                  <a16:creationId xmlns:a16="http://schemas.microsoft.com/office/drawing/2014/main" id="{E37B720D-7E8F-5246-9E8C-37439CEF1027}"/>
+                </a:ext>
+              </a:extLst>
+            </p:cNvPr>
+            <p:cNvPicPr>
+              <a:picLocks noChangeAspect="1"/>
+            </p:cNvPicPr>
+            <p:nvPr/>
+          </p:nvPicPr>
+          <p:blipFill rotWithShape="1">
+            <a:blip r:embed="rId2"/>
+            <a:srcRect l="25678" r="30440" b="8716"/>
+            <a:stretch/>
+          </p:blipFill>
+          <p:spPr>
+            <a:xfrm>
+              <a:off x="514350" y="1816680"/>
+              <a:ext cx="3352371" cy="2943570"/>
+            </a:xfrm>
+            <a:prstGeom prst="rect">
+              <a:avLst/>
+            </a:prstGeom>
+          </p:spPr>
+        </p:pic>
+        <p:pic>
+          <p:nvPicPr>
+            <p:cNvPr id="23" name="Picture 22" descr="A picture containing hydrozoan&#10;&#10;Description automatically generated">
+              <a:extLst>
+                <a:ext uri="{FF2B5EF4-FFF2-40B4-BE49-F238E27FC236}">
+                  <a16:creationId xmlns:a16="http://schemas.microsoft.com/office/drawing/2014/main" id="{64B91489-4F3F-F843-9A90-E9D65BEC91B7}"/>
+                </a:ext>
+              </a:extLst>
+            </p:cNvPr>
+            <p:cNvPicPr>
+              <a:picLocks noChangeAspect="1"/>
+            </p:cNvPicPr>
+            <p:nvPr/>
+          </p:nvPicPr>
+          <p:blipFill rotWithShape="1">
+            <a:blip r:embed="rId3"/>
+            <a:srcRect l="32162" t="5136" r="32589" b="15796"/>
+            <a:stretch/>
+          </p:blipFill>
+          <p:spPr>
+            <a:xfrm>
+              <a:off x="3866721" y="1816679"/>
+              <a:ext cx="3108960" cy="2943570"/>
+            </a:xfrm>
+            <a:prstGeom prst="rect">
+              <a:avLst/>
+            </a:prstGeom>
+          </p:spPr>
+        </p:pic>
+        <p:pic>
+          <p:nvPicPr>
+            <p:cNvPr id="25" name="Picture 24" descr="A picture containing invertebrate, gear&#10;&#10;Description automatically generated">
+              <a:extLst>
+                <a:ext uri="{FF2B5EF4-FFF2-40B4-BE49-F238E27FC236}">
+                  <a16:creationId xmlns:a16="http://schemas.microsoft.com/office/drawing/2014/main" id="{AA712F8B-66CA-DE41-9822-53CBF326213F}"/>
+                </a:ext>
+              </a:extLst>
+            </p:cNvPr>
+            <p:cNvPicPr>
+              <a:picLocks noChangeAspect="1"/>
+            </p:cNvPicPr>
+            <p:nvPr/>
+          </p:nvPicPr>
+          <p:blipFill rotWithShape="1">
+            <a:blip r:embed="rId4"/>
+            <a:srcRect l="32500" t="3581" r="31652" b="2026"/>
+            <a:stretch/>
+          </p:blipFill>
+          <p:spPr>
+            <a:xfrm>
+              <a:off x="6975681" y="1816679"/>
+              <a:ext cx="2648380" cy="2943571"/>
+            </a:xfrm>
+            <a:prstGeom prst="rect">
+              <a:avLst/>
+            </a:prstGeom>
+          </p:spPr>
+        </p:pic>
+      </p:grpSp>
+      <p:pic>
+        <p:nvPicPr>
+          <p:cNvPr id="27" name="Picture 26" descr="Graphical user interface&#10;&#10;Description automatically generated">
+            <a:extLst>
+              <a:ext uri="{FF2B5EF4-FFF2-40B4-BE49-F238E27FC236}">
+                <a16:creationId xmlns:a16="http://schemas.microsoft.com/office/drawing/2014/main" id="{44DCAE8B-77B8-2B4D-9529-A48258872399}"/>
+              </a:ext>
+            </a:extLst>
+          </p:cNvPr>
+          <p:cNvPicPr>
+            <a:picLocks noChangeAspect="1"/>
+          </p:cNvPicPr>
+          <p:nvPr/>
+        </p:nvPicPr>
+        <p:blipFill rotWithShape="1">
+          <a:blip r:embed="rId5"/>
+          <a:srcRect t="2183" r="2930" b="35819"/>
+          <a:stretch/>
+        </p:blipFill>
+        <p:spPr>
+          <a:xfrm>
+            <a:off x="644300" y="569010"/>
+            <a:ext cx="9065901" cy="2859990"/>
+          </a:xfrm>
+          <a:prstGeom prst="rect">
+            <a:avLst/>
+          </a:prstGeom>
+        </p:spPr>
+      </p:pic>
+    </p:spTree>
+    <p:extLst>
+      <p:ext uri="{BB962C8B-B14F-4D97-AF65-F5344CB8AC3E}">
+        <p14:creationId xmlns:p14="http://schemas.microsoft.com/office/powerpoint/2010/main" val="3727235736"/>
+      </p:ext>
+    </p:extLst>
+  </p:cSld>
+  <p:clrMapOvr>
+    <a:masterClrMapping/>
+  </p:clrMapOvr>
+</p:sld>
+</file>
+
+<file path=ppt/slides/slide4.xml><?xml version="1.0" encoding="utf-8"?>
+<p:sld xmlns:a="http://schemas.openxmlformats.org/drawingml/2006/main" xmlns:r="http://schemas.openxmlformats.org/officeDocument/2006/relationships" xmlns:p="http://schemas.openxmlformats.org/presentationml/2006/main">
+  <p:cSld>
+    <p:spTree>
+      <p:nvGrpSpPr>
+        <p:cNvPr id="1" name=""/>
+        <p:cNvGrpSpPr/>
+        <p:nvPr/>
+      </p:nvGrpSpPr>
+      <p:grpSpPr>
+        <a:xfrm>
+          <a:off x="0" y="0"/>
+          <a:ext cx="0" cy="0"/>
+          <a:chOff x="0" y="0"/>
+          <a:chExt cx="0" cy="0"/>
+        </a:xfrm>
+      </p:grpSpPr>
+      <p:grpSp>
+        <p:nvGrpSpPr>
+          <p:cNvPr id="10" name="Group 9">
+            <a:extLst>
+              <a:ext uri="{FF2B5EF4-FFF2-40B4-BE49-F238E27FC236}">
+                <a16:creationId xmlns:a16="http://schemas.microsoft.com/office/drawing/2014/main" id="{FEB63FF6-02F0-A449-982F-364CC9C2D3DA}"/>
+              </a:ext>
+            </a:extLst>
+          </p:cNvPr>
+          <p:cNvGrpSpPr/>
+          <p:nvPr/>
+        </p:nvGrpSpPr>
+        <p:grpSpPr>
+          <a:xfrm>
+            <a:off x="518130" y="812860"/>
+            <a:ext cx="8213258" cy="2616140"/>
+            <a:chOff x="514350" y="1816679"/>
+            <a:chExt cx="9109711" cy="2943571"/>
+          </a:xfrm>
+        </p:grpSpPr>
+        <p:pic>
+          <p:nvPicPr>
+            <p:cNvPr id="11" name="Picture 10">
+              <a:extLst>
+                <a:ext uri="{FF2B5EF4-FFF2-40B4-BE49-F238E27FC236}">
+                  <a16:creationId xmlns:a16="http://schemas.microsoft.com/office/drawing/2014/main" id="{1DE45018-358A-8840-9ECB-001100D3710C}"/>
+                </a:ext>
+              </a:extLst>
+            </p:cNvPr>
+            <p:cNvPicPr>
+              <a:picLocks noChangeAspect="1"/>
+            </p:cNvPicPr>
+            <p:nvPr/>
+          </p:nvPicPr>
+          <p:blipFill rotWithShape="1">
+            <a:blip r:embed="rId2"/>
+            <a:srcRect l="25678" r="30440" b="8716"/>
+            <a:stretch/>
+          </p:blipFill>
+          <p:spPr>
+            <a:xfrm>
+              <a:off x="514350" y="1816680"/>
+              <a:ext cx="3352371" cy="2943570"/>
+            </a:xfrm>
+            <a:prstGeom prst="rect">
+              <a:avLst/>
+            </a:prstGeom>
+          </p:spPr>
+        </p:pic>
+        <p:pic>
+          <p:nvPicPr>
+            <p:cNvPr id="12" name="Picture 11" descr="A picture containing hydrozoan&#10;&#10;Description automatically generated">
+              <a:extLst>
+                <a:ext uri="{FF2B5EF4-FFF2-40B4-BE49-F238E27FC236}">
+                  <a16:creationId xmlns:a16="http://schemas.microsoft.com/office/drawing/2014/main" id="{6892980D-480C-5142-8D2B-BC7A6693D80B}"/>
+                </a:ext>
+              </a:extLst>
+            </p:cNvPr>
+            <p:cNvPicPr>
+              <a:picLocks noChangeAspect="1"/>
+            </p:cNvPicPr>
+            <p:nvPr/>
+          </p:nvPicPr>
+          <p:blipFill rotWithShape="1">
+            <a:blip r:embed="rId3"/>
+            <a:srcRect l="32162" t="5136" r="32589" b="15796"/>
+            <a:stretch/>
+          </p:blipFill>
+          <p:spPr>
+            <a:xfrm>
+              <a:off x="3866721" y="1816679"/>
+              <a:ext cx="3108960" cy="2943570"/>
+            </a:xfrm>
+            <a:prstGeom prst="rect">
+              <a:avLst/>
+            </a:prstGeom>
+          </p:spPr>
+        </p:pic>
+        <p:pic>
+          <p:nvPicPr>
+            <p:cNvPr id="13" name="Picture 12" descr="A picture containing invertebrate, gear&#10;&#10;Description automatically generated">
+              <a:extLst>
+                <a:ext uri="{FF2B5EF4-FFF2-40B4-BE49-F238E27FC236}">
+                  <a16:creationId xmlns:a16="http://schemas.microsoft.com/office/drawing/2014/main" id="{5BE30A0C-3B01-2B4F-BAC1-EAD48C46220C}"/>
+                </a:ext>
+              </a:extLst>
+            </p:cNvPr>
+            <p:cNvPicPr>
+              <a:picLocks noChangeAspect="1"/>
+            </p:cNvPicPr>
+            <p:nvPr/>
+          </p:nvPicPr>
+          <p:blipFill rotWithShape="1">
+            <a:blip r:embed="rId4"/>
+            <a:srcRect l="32500" t="3581" r="31652" b="2026"/>
+            <a:stretch/>
+          </p:blipFill>
+          <p:spPr>
+            <a:xfrm>
+              <a:off x="6975681" y="1816679"/>
+              <a:ext cx="2648380" cy="2943571"/>
+            </a:xfrm>
+            <a:prstGeom prst="rect">
+              <a:avLst/>
+            </a:prstGeom>
+          </p:spPr>
+        </p:pic>
+      </p:grpSp>
+      <p:pic>
+        <p:nvPicPr>
+          <p:cNvPr id="23" name="Picture 22" descr="A picture containing colorful&#10;&#10;Description automatically generated">
+            <a:extLst>
+              <a:ext uri="{FF2B5EF4-FFF2-40B4-BE49-F238E27FC236}">
+                <a16:creationId xmlns:a16="http://schemas.microsoft.com/office/drawing/2014/main" id="{017CCCBC-2E80-F849-9FF0-06B57AE871A1}"/>
+              </a:ext>
+            </a:extLst>
+          </p:cNvPr>
+          <p:cNvPicPr>
+            <a:picLocks noChangeAspect="1"/>
+          </p:cNvPicPr>
+          <p:nvPr/>
+        </p:nvPicPr>
+        <p:blipFill>
+          <a:blip r:embed="rId5"/>
+          <a:stretch>
+            <a:fillRect/>
+          </a:stretch>
+        </p:blipFill>
+        <p:spPr>
+          <a:xfrm>
+            <a:off x="793433" y="3644549"/>
+            <a:ext cx="8026102" cy="2619121"/>
+          </a:xfrm>
+          <a:prstGeom prst="rect">
+            <a:avLst/>
+          </a:prstGeom>
+        </p:spPr>
+      </p:pic>
+    </p:spTree>
+    <p:extLst>
+      <p:ext uri="{BB962C8B-B14F-4D97-AF65-F5344CB8AC3E}">
+        <p14:creationId xmlns:p14="http://schemas.microsoft.com/office/powerpoint/2010/main" val="1799284382"/>
+      </p:ext>
+    </p:extLst>
+  </p:cSld>
+  <p:clrMapOvr>
+    <a:masterClrMapping/>
+  </p:clrMapOvr>
+</p:sld>
+</file>
+
+<file path=ppt/slides/slide5.xml><?xml version="1.0" encoding="utf-8"?>
+<p:sld xmlns:a="http://schemas.openxmlformats.org/drawingml/2006/main" xmlns:r="http://schemas.openxmlformats.org/officeDocument/2006/relationships" xmlns:p="http://schemas.openxmlformats.org/presentationml/2006/main">
+  <p:cSld>
+    <p:spTree>
+      <p:nvGrpSpPr>
+        <p:cNvPr id="1" name=""/>
+        <p:cNvGrpSpPr/>
+        <p:nvPr/>
+      </p:nvGrpSpPr>
+      <p:grpSpPr>
+        <a:xfrm>
+          <a:off x="0" y="0"/>
+          <a:ext cx="0" cy="0"/>
+          <a:chOff x="0" y="0"/>
+          <a:chExt cx="0" cy="0"/>
+        </a:xfrm>
+      </p:grpSpPr>
+    </p:spTree>
+    <p:extLst>
+      <p:ext uri="{BB962C8B-B14F-4D97-AF65-F5344CB8AC3E}">
+        <p14:creationId xmlns:p14="http://schemas.microsoft.com/office/powerpoint/2010/main" val="3911903795"/>
+      </p:ext>
+    </p:extLst>
+  </p:cSld>
+  <p:clrMapOvr>
+    <a:masterClrMapping/>
+  </p:clrMapOvr>
+</p:sld>
+</file>
+
+<file path=ppt/slides/slide6.xml><?xml version="1.0" encoding="utf-8"?>
+<p:sld xmlns:a="http://schemas.openxmlformats.org/drawingml/2006/main" xmlns:r="http://schemas.openxmlformats.org/officeDocument/2006/relationships" xmlns:p="http://schemas.openxmlformats.org/presentationml/2006/main">
+  <p:cSld>
+    <p:spTree>
+      <p:nvGrpSpPr>
+        <p:cNvPr id="1" name=""/>
+        <p:cNvGrpSpPr/>
+        <p:nvPr/>
+      </p:nvGrpSpPr>
+      <p:grpSpPr>
+        <a:xfrm>
+          <a:off x="0" y="0"/>
+          <a:ext cx="0" cy="0"/>
+          <a:chOff x="0" y="0"/>
+          <a:chExt cx="0" cy="0"/>
+        </a:xfrm>
+      </p:grpSpPr>
+    </p:spTree>
+    <p:extLst>
+      <p:ext uri="{BB962C8B-B14F-4D97-AF65-F5344CB8AC3E}">
+        <p14:creationId xmlns:p14="http://schemas.microsoft.com/office/powerpoint/2010/main" val="766825221"/>
+      </p:ext>
+    </p:extLst>
+  </p:cSld>
+  <p:clrMapOvr>
+    <a:masterClrMapping/>
+  </p:clrMapOvr>
+</p:sld>
+</file>
+
 <file path=ppt/theme/theme1.xml><?xml version="1.0" encoding="utf-8"?>
 <a:theme xmlns:a="http://schemas.openxmlformats.org/drawingml/2006/main" name="Office Theme">
   <a:themeElements>
